--- a/Final.pptx
+++ b/Final.pptx
@@ -229,7 +229,7 @@
           <a:p>
             <a:fld id="{E4E69F83-204D-4778-AAD0-A0F851A3AEEE}" type="datetimeFigureOut">
               <a:rPr lang="en-US" smtClean="0"/>
-              <a:t>4/6/2025</a:t>
+              <a:t>4/7/2025</a:t>
             </a:fld>
             <a:endParaRPr lang="en-US" dirty="0"/>
           </a:p>
@@ -406,7 +406,7 @@
           <a:p>
             <a:fld id="{85AE3C21-C3CB-4B8D-9033-56C1B3CE75FA}" type="datetimeFigureOut">
               <a:rPr lang="en-US" smtClean="0"/>
-              <a:t>4/6/2025</a:t>
+              <a:t>4/7/2025</a:t>
             </a:fld>
             <a:endParaRPr lang="en-US" dirty="0"/>
           </a:p>
@@ -7349,7 +7349,7 @@
           <a:p>
             <a:fld id="{86F7BD38-A805-4B2C-9BDF-D56E94387879}" type="datetime1">
               <a:rPr lang="en-US" smtClean="0"/>
-              <a:t>4/6/2025</a:t>
+              <a:t>4/7/2025</a:t>
             </a:fld>
             <a:endParaRPr lang="en-US" dirty="0"/>
           </a:p>
@@ -7878,7 +7878,7 @@
         <p:spPr>
           <a:xfrm>
             <a:off x="773206" y="4356847"/>
-            <a:ext cx="10645588" cy="830997"/>
+            <a:ext cx="10831606" cy="830997"/>
           </a:xfrm>
           <a:prstGeom prst="rect">
             <a:avLst/>
@@ -7897,7 +7897,7 @@
                   <a:schemeClr val="bg1"/>
                 </a:solidFill>
               </a:rPr>
-              <a:t>Topic :                                                           Basic Healthcare Amenities          </a:t>
+              <a:t>Topic :                                                            Basic Healthcare Amenities          </a:t>
             </a:r>
           </a:p>
           <a:p>
@@ -7907,7 +7907,7 @@
                   <a:schemeClr val="bg1"/>
                 </a:solidFill>
               </a:rPr>
-              <a:t>                                                                       Identification</a:t>
+              <a:t>                                                                        Identification</a:t>
             </a:r>
           </a:p>
         </p:txBody>
@@ -7941,7 +7941,7 @@
         </p:blipFill>
         <p:spPr bwMode="auto">
           <a:xfrm>
-            <a:off x="2606127" y="190979"/>
+            <a:off x="2606127" y="231321"/>
             <a:ext cx="7194176" cy="2043953"/>
           </a:xfrm>
           <a:prstGeom prst="rect">
@@ -10847,6 +10847,26 @@
 </file>
 
 <file path=customXml/item1.xml><?xml version="1.0" encoding="utf-8"?>
+<p:properties xmlns:p="http://schemas.microsoft.com/office/2006/metadata/properties" xmlns:xsi="http://www.w3.org/2001/XMLSchema-instance" xmlns:pc="http://schemas.microsoft.com/office/infopath/2007/PartnerControls">
+  <documentManagement>
+    <_ip_UnifiedCompliancePolicyUIAction xmlns="http://schemas.microsoft.com/sharepoint/v3" xsi:nil="true"/>
+    <Image xmlns="71af3243-3dd4-4a8d-8c0d-dd76da1f02a5">
+      <Url xsi:nil="true"/>
+      <Description xsi:nil="true"/>
+    </Image>
+    <Status xmlns="71af3243-3dd4-4a8d-8c0d-dd76da1f02a5">Not started</Status>
+    <Background xmlns="71af3243-3dd4-4a8d-8c0d-dd76da1f02a5">false</Background>
+    <_ip_UnifiedCompliancePolicyProperties xmlns="http://schemas.microsoft.com/sharepoint/v3" xsi:nil="true"/>
+    <ImageTagsTaxHTField xmlns="71af3243-3dd4-4a8d-8c0d-dd76da1f02a5">
+      <Terms xmlns="http://schemas.microsoft.com/office/infopath/2007/PartnerControls"/>
+    </ImageTagsTaxHTField>
+    <TaxCatchAll xmlns="230e9df3-be65-4c73-a93b-d1236ebd677e" xsi:nil="true"/>
+    <MediaServiceKeyPoints xmlns="71af3243-3dd4-4a8d-8c0d-dd76da1f02a5" xsi:nil="true"/>
+  </documentManagement>
+</p:properties>
+</file>
+
+<file path=customXml/item2.xml><?xml version="1.0" encoding="utf-8"?>
 <ct:contentTypeSchema xmlns:ct="http://schemas.microsoft.com/office/2006/metadata/contentType" xmlns:ma="http://schemas.microsoft.com/office/2006/metadata/properties/metaAttributes" ct:_="" ma:_="" ma:contentTypeName="Document" ma:contentTypeID="0x01010079F111ED35F8CC479449609E8A0923A6" ma:contentTypeVersion="28" ma:contentTypeDescription="Create a new document." ma:contentTypeScope="" ma:versionID="60f5a4f2d2b0abadcf532d48ebf9cb71">
   <xsd:schema xmlns:xsd="http://www.w3.org/2001/XMLSchema" xmlns:xs="http://www.w3.org/2001/XMLSchema" xmlns:p="http://schemas.microsoft.com/office/2006/metadata/properties" xmlns:ns1="http://schemas.microsoft.com/sharepoint/v3" xmlns:ns2="71af3243-3dd4-4a8d-8c0d-dd76da1f02a5" xmlns:ns3="16c05727-aa75-4e4a-9b5f-8a80a1165891" xmlns:ns4="230e9df3-be65-4c73-a93b-d1236ebd677e" targetNamespace="http://schemas.microsoft.com/office/2006/metadata/properties" ma:root="true" ma:fieldsID="7dd78129e6a1811f84807ad11c651531" ns1:_="" ns2:_="" ns3:_="" ns4:_="">
     <xsd:import namespace="http://schemas.microsoft.com/sharepoint/v3"/>
@@ -11158,26 +11178,6 @@
 </ct:contentTypeSchema>
 </file>
 
-<file path=customXml/item2.xml><?xml version="1.0" encoding="utf-8"?>
-<p:properties xmlns:p="http://schemas.microsoft.com/office/2006/metadata/properties" xmlns:xsi="http://www.w3.org/2001/XMLSchema-instance" xmlns:pc="http://schemas.microsoft.com/office/infopath/2007/PartnerControls">
-  <documentManagement>
-    <_ip_UnifiedCompliancePolicyUIAction xmlns="http://schemas.microsoft.com/sharepoint/v3" xsi:nil="true"/>
-    <Image xmlns="71af3243-3dd4-4a8d-8c0d-dd76da1f02a5">
-      <Url xsi:nil="true"/>
-      <Description xsi:nil="true"/>
-    </Image>
-    <Status xmlns="71af3243-3dd4-4a8d-8c0d-dd76da1f02a5">Not started</Status>
-    <Background xmlns="71af3243-3dd4-4a8d-8c0d-dd76da1f02a5">false</Background>
-    <_ip_UnifiedCompliancePolicyProperties xmlns="http://schemas.microsoft.com/sharepoint/v3" xsi:nil="true"/>
-    <ImageTagsTaxHTField xmlns="71af3243-3dd4-4a8d-8c0d-dd76da1f02a5">
-      <Terms xmlns="http://schemas.microsoft.com/office/infopath/2007/PartnerControls"/>
-    </ImageTagsTaxHTField>
-    <TaxCatchAll xmlns="230e9df3-be65-4c73-a93b-d1236ebd677e" xsi:nil="true"/>
-    <MediaServiceKeyPoints xmlns="71af3243-3dd4-4a8d-8c0d-dd76da1f02a5" xsi:nil="true"/>
-  </documentManagement>
-</p:properties>
-</file>
-
 <file path=customXml/item3.xml><?xml version="1.0" encoding="utf-8"?>
 <?mso-contentType ?>
 <FormTemplates xmlns="http://schemas.microsoft.com/sharepoint/v3/contenttype/forms">
@@ -11188,6 +11188,18 @@
 </file>
 
 <file path=customXml/itemProps1.xml><?xml version="1.0" encoding="utf-8"?>
+<ds:datastoreItem xmlns:ds="http://schemas.openxmlformats.org/officeDocument/2006/customXml" ds:itemID="{8E96C45C-DB75-420E-8AF3-E934CE3B8485}">
+  <ds:schemaRefs>
+    <ds:schemaRef ds:uri="http://schemas.microsoft.com/office/2006/metadata/properties"/>
+    <ds:schemaRef ds:uri="http://schemas.microsoft.com/office/infopath/2007/PartnerControls"/>
+    <ds:schemaRef ds:uri="http://schemas.microsoft.com/sharepoint/v3"/>
+    <ds:schemaRef ds:uri="71af3243-3dd4-4a8d-8c0d-dd76da1f02a5"/>
+    <ds:schemaRef ds:uri="230e9df3-be65-4c73-a93b-d1236ebd677e"/>
+  </ds:schemaRefs>
+</ds:datastoreItem>
+</file>
+
+<file path=customXml/itemProps2.xml><?xml version="1.0" encoding="utf-8"?>
 <ds:datastoreItem xmlns:ds="http://schemas.openxmlformats.org/officeDocument/2006/customXml" ds:itemID="{E6695BEB-4861-4F57-B47B-7156F618DFD8}">
   <ds:schemaRefs>
     <ds:schemaRef ds:uri="http://schemas.microsoft.com/office/2006/metadata/contentType"/>
@@ -11208,18 +11220,6 @@
 </ds:datastoreItem>
 </file>
 
-<file path=customXml/itemProps2.xml><?xml version="1.0" encoding="utf-8"?>
-<ds:datastoreItem xmlns:ds="http://schemas.openxmlformats.org/officeDocument/2006/customXml" ds:itemID="{8E96C45C-DB75-420E-8AF3-E934CE3B8485}">
-  <ds:schemaRefs>
-    <ds:schemaRef ds:uri="http://schemas.microsoft.com/office/2006/metadata/properties"/>
-    <ds:schemaRef ds:uri="http://schemas.microsoft.com/office/infopath/2007/PartnerControls"/>
-    <ds:schemaRef ds:uri="http://schemas.microsoft.com/sharepoint/v3"/>
-    <ds:schemaRef ds:uri="71af3243-3dd4-4a8d-8c0d-dd76da1f02a5"/>
-    <ds:schemaRef ds:uri="230e9df3-be65-4c73-a93b-d1236ebd677e"/>
-  </ds:schemaRefs>
-</ds:datastoreItem>
-</file>
-
 <file path=customXml/itemProps3.xml><?xml version="1.0" encoding="utf-8"?>
 <ds:datastoreItem xmlns:ds="http://schemas.openxmlformats.org/officeDocument/2006/customXml" ds:itemID="{0F54F928-5808-4F9A-8810-B3FD2A026416}">
   <ds:schemaRefs>
